--- a/Soft-Skill Assignment/Module 1 Personal Information  -WPS Office.pptx
+++ b/Soft-Skill Assignment/Module 1 Personal Information  -WPS Office.pptx
@@ -684,7 +684,7 @@
           <a:p>
             <a:fld id="{70BC1078-46ED-40F9-8930-935BAD7C2B02}" type="datetimeFigureOut">
               <a:rPr lang="zh-CN" altLang="en-US" smtClean="0"/>
-              <a:t>2024/5/29</a:t>
+              <a:t>2024/5/31</a:t>
             </a:fld>
             <a:endParaRPr lang="zh-CN" altLang="en-US"/>
           </a:p>
@@ -849,7 +849,7 @@
           <a:p>
             <a:fld id="{70BC1078-46ED-40F9-8930-935BAD7C2B02}" type="datetimeFigureOut">
               <a:rPr lang="zh-CN" altLang="en-US" smtClean="0"/>
-              <a:t>2024/5/29</a:t>
+              <a:t>2024/5/31</a:t>
             </a:fld>
             <a:endParaRPr lang="zh-CN" altLang="en-US"/>
           </a:p>
@@ -1024,7 +1024,7 @@
           <a:p>
             <a:fld id="{70BC1078-46ED-40F9-8930-935BAD7C2B02}" type="datetimeFigureOut">
               <a:rPr lang="zh-CN" altLang="en-US" smtClean="0"/>
-              <a:t>2024/5/29</a:t>
+              <a:t>2024/5/31</a:t>
             </a:fld>
             <a:endParaRPr lang="zh-CN" altLang="en-US"/>
           </a:p>
@@ -1189,7 +1189,7 @@
           <a:p>
             <a:fld id="{70BC1078-46ED-40F9-8930-935BAD7C2B02}" type="datetimeFigureOut">
               <a:rPr lang="zh-CN" altLang="en-US" smtClean="0"/>
-              <a:t>2024/5/29</a:t>
+              <a:t>2024/5/31</a:t>
             </a:fld>
             <a:endParaRPr lang="zh-CN" altLang="en-US"/>
           </a:p>
@@ -1428,7 +1428,7 @@
           <a:p>
             <a:fld id="{70BC1078-46ED-40F9-8930-935BAD7C2B02}" type="datetimeFigureOut">
               <a:rPr lang="zh-CN" altLang="en-US" smtClean="0"/>
-              <a:t>2024/5/29</a:t>
+              <a:t>2024/5/31</a:t>
             </a:fld>
             <a:endParaRPr lang="zh-CN" altLang="en-US"/>
           </a:p>
@@ -1655,7 +1655,7 @@
           <a:p>
             <a:fld id="{70BC1078-46ED-40F9-8930-935BAD7C2B02}" type="datetimeFigureOut">
               <a:rPr lang="zh-CN" altLang="en-US" smtClean="0"/>
-              <a:t>2024/5/29</a:t>
+              <a:t>2024/5/31</a:t>
             </a:fld>
             <a:endParaRPr lang="zh-CN" altLang="en-US"/>
           </a:p>
@@ -2017,7 +2017,7 @@
           <a:p>
             <a:fld id="{70BC1078-46ED-40F9-8930-935BAD7C2B02}" type="datetimeFigureOut">
               <a:rPr lang="zh-CN" altLang="en-US" smtClean="0"/>
-              <a:t>2024/5/29</a:t>
+              <a:t>2024/5/31</a:t>
             </a:fld>
             <a:endParaRPr lang="zh-CN" altLang="en-US"/>
           </a:p>
@@ -2130,7 +2130,7 @@
           <a:p>
             <a:fld id="{70BC1078-46ED-40F9-8930-935BAD7C2B02}" type="datetimeFigureOut">
               <a:rPr lang="zh-CN" altLang="en-US" smtClean="0"/>
-              <a:t>2024/5/29</a:t>
+              <a:t>2024/5/31</a:t>
             </a:fld>
             <a:endParaRPr lang="zh-CN" altLang="en-US"/>
           </a:p>
@@ -2220,7 +2220,7 @@
           <a:p>
             <a:fld id="{70BC1078-46ED-40F9-8930-935BAD7C2B02}" type="datetimeFigureOut">
               <a:rPr lang="zh-CN" altLang="en-US" smtClean="0"/>
-              <a:t>2024/5/29</a:t>
+              <a:t>2024/5/31</a:t>
             </a:fld>
             <a:endParaRPr lang="zh-CN" altLang="en-US"/>
           </a:p>
@@ -2492,7 +2492,7 @@
           <a:p>
             <a:fld id="{70BC1078-46ED-40F9-8930-935BAD7C2B02}" type="datetimeFigureOut">
               <a:rPr lang="zh-CN" altLang="en-US" smtClean="0"/>
-              <a:t>2024/5/29</a:t>
+              <a:t>2024/5/31</a:t>
             </a:fld>
             <a:endParaRPr lang="zh-CN" altLang="en-US"/>
           </a:p>
@@ -2744,7 +2744,7 @@
           <a:p>
             <a:fld id="{70BC1078-46ED-40F9-8930-935BAD7C2B02}" type="datetimeFigureOut">
               <a:rPr lang="zh-CN" altLang="en-US" smtClean="0"/>
-              <a:t>2024/5/29</a:t>
+              <a:t>2024/5/31</a:t>
             </a:fld>
             <a:endParaRPr lang="zh-CN" altLang="en-US"/>
           </a:p>
@@ -2952,7 +2952,7 @@
           <a:p>
             <a:fld id="{70BC1078-46ED-40F9-8930-935BAD7C2B02}" type="datetimeFigureOut">
               <a:rPr lang="zh-CN" altLang="en-US" smtClean="0"/>
-              <a:t>2024/5/29</a:t>
+              <a:t>2024/5/31</a:t>
             </a:fld>
             <a:endParaRPr lang="zh-CN" altLang="en-US"/>
           </a:p>
@@ -4019,8 +4019,8 @@
         </p:nvSpPr>
         <p:spPr>
           <a:xfrm rot="21594242">
-            <a:off x="481096" y="1440204"/>
-            <a:ext cx="7964473" cy="2246769"/>
+            <a:off x="481096" y="1569564"/>
+            <a:ext cx="7966133" cy="3970318"/>
           </a:xfrm>
           <a:prstGeom prst="rect">
             <a:avLst/>
@@ -4279,11 +4279,59 @@
                 </a:solidFill>
                 <a:latin typeface="Calibri"/>
               </a:rPr>
-              <a:t>IT.</a:t>
+              <a:t>IT</a:t>
+            </a:r>
+            <a:r>
+              <a:rPr lang="en-US" sz="2800" dirty="0" smtClean="0">
+                <a:solidFill>
+                  <a:srgbClr val="000000"/>
+                </a:solidFill>
+                <a:latin typeface="Calibri"/>
+              </a:rPr>
+              <a:t>.</a:t>
+            </a:r>
+          </a:p>
+          <a:p>
+            <a:endParaRPr lang="en-US" sz="2800" dirty="0">
+              <a:latin typeface="Calibri"/>
+            </a:endParaRPr>
+          </a:p>
+          <a:p>
+            <a:r>
+              <a:rPr lang="en-GB" sz="2800" dirty="0" err="1" smtClean="0">
+                <a:solidFill>
+                  <a:srgbClr val="000000"/>
+                </a:solidFill>
+              </a:rPr>
+              <a:t>Youtube</a:t>
+            </a:r>
+            <a:r>
+              <a:rPr lang="en-GB" sz="2800" dirty="0" smtClean="0">
+                <a:solidFill>
+                  <a:srgbClr val="000000"/>
+                </a:solidFill>
+              </a:rPr>
+              <a:t> </a:t>
+            </a:r>
+            <a:r>
+              <a:rPr lang="en-GB" sz="2800" dirty="0"/>
+              <a:t>Link:-</a:t>
+            </a:r>
+            <a:r>
+              <a:rPr lang="en-GB" sz="2800" dirty="0">
+                <a:solidFill>
+                  <a:schemeClr val="accent1">
+                    <a:lumMod val="75000"/>
+                  </a:schemeClr>
+                </a:solidFill>
+              </a:rPr>
+              <a:t>https://youtube.com/shorts/1nwZaEkMrsk?si=5QEvaMssljAN4rTl</a:t>
             </a:r>
             <a:endParaRPr lang="en-GB" sz="2800" dirty="0">
               <a:solidFill>
-                <a:srgbClr val="000000"/>
+                <a:schemeClr val="accent1">
+                  <a:lumMod val="75000"/>
+                </a:schemeClr>
               </a:solidFill>
             </a:endParaRPr>
           </a:p>
